--- a/parcial1/Practica 2.pptx
+++ b/parcial1/Practica 2.pptx
@@ -105,6 +105,11 @@
       </a:defRPr>
     </a:lvl9pPr>
   </p:defaultTextStyle>
+  <p:extLst>
+    <p:ext uri="{EFAFB233-063F-42B5-8137-9DF3F51BA10A}">
+      <p15:sldGuideLst xmlns:p15="http://schemas.microsoft.com/office/powerpoint/2012/main"/>
+    </p:ext>
+  </p:extLst>
 </p:presentation>
 </file>
 
@@ -294,7 +299,7 @@
           <a:p>
             <a:fld id="{CC39C279-C6F8-4BDA-87A6-65FB5AA997BE}" type="datetimeFigureOut">
               <a:rPr lang="es-MX" smtClean="0"/>
-              <a:t>13/02/2025</a:t>
+              <a:t>18/02/2025</a:t>
             </a:fld>
             <a:endParaRPr lang="es-MX"/>
           </a:p>
@@ -569,7 +574,7 @@
           <a:p>
             <a:fld id="{CC39C279-C6F8-4BDA-87A6-65FB5AA997BE}" type="datetimeFigureOut">
               <a:rPr lang="es-MX" smtClean="0"/>
-              <a:t>13/02/2025</a:t>
+              <a:t>18/02/2025</a:t>
             </a:fld>
             <a:endParaRPr lang="es-MX"/>
           </a:p>
@@ -763,7 +768,7 @@
           <a:p>
             <a:fld id="{CC39C279-C6F8-4BDA-87A6-65FB5AA997BE}" type="datetimeFigureOut">
               <a:rPr lang="es-MX" smtClean="0"/>
-              <a:t>13/02/2025</a:t>
+              <a:t>18/02/2025</a:t>
             </a:fld>
             <a:endParaRPr lang="es-MX"/>
           </a:p>
@@ -1036,7 +1041,7 @@
           <a:p>
             <a:fld id="{CC39C279-C6F8-4BDA-87A6-65FB5AA997BE}" type="datetimeFigureOut">
               <a:rPr lang="es-MX" smtClean="0"/>
-              <a:t>13/02/2025</a:t>
+              <a:t>18/02/2025</a:t>
             </a:fld>
             <a:endParaRPr lang="es-MX"/>
           </a:p>
@@ -1377,7 +1382,7 @@
           <a:p>
             <a:fld id="{CC39C279-C6F8-4BDA-87A6-65FB5AA997BE}" type="datetimeFigureOut">
               <a:rPr lang="es-MX" smtClean="0"/>
-              <a:t>13/02/2025</a:t>
+              <a:t>18/02/2025</a:t>
             </a:fld>
             <a:endParaRPr lang="es-MX"/>
           </a:p>
@@ -2000,7 +2005,7 @@
           <a:p>
             <a:fld id="{CC39C279-C6F8-4BDA-87A6-65FB5AA997BE}" type="datetimeFigureOut">
               <a:rPr lang="es-MX" smtClean="0"/>
-              <a:t>13/02/2025</a:t>
+              <a:t>18/02/2025</a:t>
             </a:fld>
             <a:endParaRPr lang="es-MX"/>
           </a:p>
@@ -2860,7 +2865,7 @@
           <a:p>
             <a:fld id="{CC39C279-C6F8-4BDA-87A6-65FB5AA997BE}" type="datetimeFigureOut">
               <a:rPr lang="es-MX" smtClean="0"/>
-              <a:t>13/02/2025</a:t>
+              <a:t>18/02/2025</a:t>
             </a:fld>
             <a:endParaRPr lang="es-MX"/>
           </a:p>
@@ -3030,7 +3035,7 @@
           <a:p>
             <a:fld id="{CC39C279-C6F8-4BDA-87A6-65FB5AA997BE}" type="datetimeFigureOut">
               <a:rPr lang="es-MX" smtClean="0"/>
-              <a:t>13/02/2025</a:t>
+              <a:t>18/02/2025</a:t>
             </a:fld>
             <a:endParaRPr lang="es-MX"/>
           </a:p>
@@ -3210,7 +3215,7 @@
           <a:p>
             <a:fld id="{CC39C279-C6F8-4BDA-87A6-65FB5AA997BE}" type="datetimeFigureOut">
               <a:rPr lang="es-MX" smtClean="0"/>
-              <a:t>13/02/2025</a:t>
+              <a:t>18/02/2025</a:t>
             </a:fld>
             <a:endParaRPr lang="es-MX"/>
           </a:p>
@@ -3380,7 +3385,7 @@
           <a:p>
             <a:fld id="{CC39C279-C6F8-4BDA-87A6-65FB5AA997BE}" type="datetimeFigureOut">
               <a:rPr lang="es-MX" smtClean="0"/>
-              <a:t>13/02/2025</a:t>
+              <a:t>18/02/2025</a:t>
             </a:fld>
             <a:endParaRPr lang="es-MX"/>
           </a:p>
@@ -3627,7 +3632,7 @@
           <a:p>
             <a:fld id="{CC39C279-C6F8-4BDA-87A6-65FB5AA997BE}" type="datetimeFigureOut">
               <a:rPr lang="es-MX" smtClean="0"/>
-              <a:t>13/02/2025</a:t>
+              <a:t>18/02/2025</a:t>
             </a:fld>
             <a:endParaRPr lang="es-MX"/>
           </a:p>
@@ -3919,7 +3924,7 @@
           <a:p>
             <a:fld id="{CC39C279-C6F8-4BDA-87A6-65FB5AA997BE}" type="datetimeFigureOut">
               <a:rPr lang="es-MX" smtClean="0"/>
-              <a:t>13/02/2025</a:t>
+              <a:t>18/02/2025</a:t>
             </a:fld>
             <a:endParaRPr lang="es-MX"/>
           </a:p>
@@ -4363,7 +4368,7 @@
           <a:p>
             <a:fld id="{CC39C279-C6F8-4BDA-87A6-65FB5AA997BE}" type="datetimeFigureOut">
               <a:rPr lang="es-MX" smtClean="0"/>
-              <a:t>13/02/2025</a:t>
+              <a:t>18/02/2025</a:t>
             </a:fld>
             <a:endParaRPr lang="es-MX"/>
           </a:p>
@@ -4481,7 +4486,7 @@
           <a:p>
             <a:fld id="{CC39C279-C6F8-4BDA-87A6-65FB5AA997BE}" type="datetimeFigureOut">
               <a:rPr lang="es-MX" smtClean="0"/>
-              <a:t>13/02/2025</a:t>
+              <a:t>18/02/2025</a:t>
             </a:fld>
             <a:endParaRPr lang="es-MX"/>
           </a:p>
@@ -4576,7 +4581,7 @@
           <a:p>
             <a:fld id="{CC39C279-C6F8-4BDA-87A6-65FB5AA997BE}" type="datetimeFigureOut">
               <a:rPr lang="es-MX" smtClean="0"/>
-              <a:t>13/02/2025</a:t>
+              <a:t>18/02/2025</a:t>
             </a:fld>
             <a:endParaRPr lang="es-MX"/>
           </a:p>
@@ -4855,7 +4860,7 @@
           <a:p>
             <a:fld id="{CC39C279-C6F8-4BDA-87A6-65FB5AA997BE}" type="datetimeFigureOut">
               <a:rPr lang="es-MX" smtClean="0"/>
-              <a:t>13/02/2025</a:t>
+              <a:t>18/02/2025</a:t>
             </a:fld>
             <a:endParaRPr lang="es-MX"/>
           </a:p>
@@ -5130,7 +5135,7 @@
           <a:p>
             <a:fld id="{CC39C279-C6F8-4BDA-87A6-65FB5AA997BE}" type="datetimeFigureOut">
               <a:rPr lang="es-MX" smtClean="0"/>
-              <a:t>13/02/2025</a:t>
+              <a:t>18/02/2025</a:t>
             </a:fld>
             <a:endParaRPr lang="es-MX"/>
           </a:p>
@@ -5559,7 +5564,7 @@
           <a:p>
             <a:fld id="{CC39C279-C6F8-4BDA-87A6-65FB5AA997BE}" type="datetimeFigureOut">
               <a:rPr lang="es-MX" smtClean="0"/>
-              <a:t>13/02/2025</a:t>
+              <a:t>18/02/2025</a:t>
             </a:fld>
             <a:endParaRPr lang="es-MX"/>
           </a:p>
@@ -6213,7 +6218,12 @@
             <p:ph type="title"/>
           </p:nvPr>
         </p:nvSpPr>
-        <p:spPr/>
+        <p:spPr>
+          <a:xfrm>
+            <a:off x="619985" y="0"/>
+            <a:ext cx="9404723" cy="1400530"/>
+          </a:xfrm>
+        </p:spPr>
         <p:txBody>
           <a:bodyPr/>
           <a:lstStyle/>
@@ -6241,8 +6251,8 @@
         </p:nvSpPr>
         <p:spPr>
           <a:xfrm>
-            <a:off x="1463040" y="1853248"/>
-            <a:ext cx="8830491" cy="923330"/>
+            <a:off x="619985" y="1017226"/>
+            <a:ext cx="11280278" cy="5262979"/>
           </a:xfrm>
           <a:prstGeom prst="rect">
             <a:avLst/>
@@ -6255,11 +6265,223 @@
           </a:bodyPr>
           <a:lstStyle/>
           <a:p>
-            <a:r>
-              <a:rPr lang="es-MX" dirty="0" smtClean="0"/>
-              <a:t>Me gusta jugar videojuegos, andar en bici con amigos, comer, dormir, escuchar música, mis colores favoritos son el azul y el negro, mi comida favorita es la hamburguesa y el sushi, </a:t>
-            </a:r>
-            <a:endParaRPr lang="es-MX" dirty="0"/>
+            <a:pPr marL="457200" indent="-457200">
+              <a:buFont typeface="Arial" panose="020B0604020202020204" pitchFamily="34" charset="0"/>
+              <a:buChar char="•"/>
+            </a:pPr>
+            <a:r>
+              <a:rPr lang="es-MX" sz="2400" dirty="0" smtClean="0"/>
+              <a:t>Me gusta jugar </a:t>
+            </a:r>
+            <a:r>
+              <a:rPr lang="es-MX" sz="2400" dirty="0" smtClean="0"/>
+              <a:t>videojuegos </a:t>
+            </a:r>
+          </a:p>
+          <a:p>
+            <a:pPr marL="457200" indent="-457200">
+              <a:buFont typeface="Arial" panose="020B0604020202020204" pitchFamily="34" charset="0"/>
+              <a:buChar char="•"/>
+            </a:pPr>
+            <a:r>
+              <a:rPr lang="es-MX" sz="2400" dirty="0"/>
+              <a:t>A</a:t>
+            </a:r>
+            <a:r>
+              <a:rPr lang="es-MX" sz="2400" dirty="0" smtClean="0"/>
+              <a:t>ndar </a:t>
+            </a:r>
+            <a:r>
+              <a:rPr lang="es-MX" sz="2400" dirty="0" smtClean="0"/>
+              <a:t>en bici con </a:t>
+            </a:r>
+            <a:r>
+              <a:rPr lang="es-MX" sz="2400" dirty="0" smtClean="0"/>
+              <a:t>amigos </a:t>
+            </a:r>
+          </a:p>
+          <a:p>
+            <a:pPr marL="457200" indent="-457200">
+              <a:buFont typeface="Arial" panose="020B0604020202020204" pitchFamily="34" charset="0"/>
+              <a:buChar char="•"/>
+            </a:pPr>
+            <a:r>
+              <a:rPr lang="es-MX" sz="2400" dirty="0"/>
+              <a:t>C</a:t>
+            </a:r>
+            <a:r>
+              <a:rPr lang="es-MX" sz="2400" dirty="0" smtClean="0"/>
+              <a:t>omer </a:t>
+            </a:r>
+          </a:p>
+          <a:p>
+            <a:pPr marL="457200" indent="-457200">
+              <a:buFont typeface="Arial" panose="020B0604020202020204" pitchFamily="34" charset="0"/>
+              <a:buChar char="•"/>
+            </a:pPr>
+            <a:r>
+              <a:rPr lang="es-MX" sz="2400" dirty="0"/>
+              <a:t>D</a:t>
+            </a:r>
+            <a:r>
+              <a:rPr lang="es-MX" sz="2400" dirty="0" smtClean="0"/>
+              <a:t>ormir </a:t>
+            </a:r>
+          </a:p>
+          <a:p>
+            <a:pPr marL="457200" indent="-457200">
+              <a:buFont typeface="Arial" panose="020B0604020202020204" pitchFamily="34" charset="0"/>
+              <a:buChar char="•"/>
+            </a:pPr>
+            <a:r>
+              <a:rPr lang="es-MX" sz="2400" dirty="0"/>
+              <a:t>E</a:t>
+            </a:r>
+            <a:r>
+              <a:rPr lang="es-MX" sz="2400" dirty="0" smtClean="0"/>
+              <a:t>scuchar música </a:t>
+            </a:r>
+          </a:p>
+          <a:p>
+            <a:pPr marL="457200" indent="-457200">
+              <a:buFont typeface="Arial" panose="020B0604020202020204" pitchFamily="34" charset="0"/>
+              <a:buChar char="•"/>
+            </a:pPr>
+            <a:r>
+              <a:rPr lang="es-MX" sz="2400" dirty="0"/>
+              <a:t>M</a:t>
+            </a:r>
+            <a:r>
+              <a:rPr lang="es-MX" sz="2400" dirty="0" smtClean="0"/>
+              <a:t>is </a:t>
+            </a:r>
+            <a:r>
+              <a:rPr lang="es-MX" sz="2400" dirty="0" smtClean="0"/>
+              <a:t>colores favoritos son el azul y el </a:t>
+            </a:r>
+            <a:r>
+              <a:rPr lang="es-MX" sz="2400" dirty="0" smtClean="0"/>
+              <a:t>negro </a:t>
+            </a:r>
+          </a:p>
+          <a:p>
+            <a:pPr marL="457200" indent="-457200">
+              <a:buFont typeface="Arial" panose="020B0604020202020204" pitchFamily="34" charset="0"/>
+              <a:buChar char="•"/>
+            </a:pPr>
+            <a:r>
+              <a:rPr lang="es-MX" sz="2400" dirty="0"/>
+              <a:t>M</a:t>
+            </a:r>
+            <a:r>
+              <a:rPr lang="es-MX" sz="2400" dirty="0" smtClean="0"/>
+              <a:t>i </a:t>
+            </a:r>
+            <a:r>
+              <a:rPr lang="es-MX" sz="2400" dirty="0" smtClean="0"/>
+              <a:t>comida favorita es la hamburguesa y el </a:t>
+            </a:r>
+            <a:r>
+              <a:rPr lang="es-MX" sz="2400" dirty="0" smtClean="0"/>
+              <a:t>sushi Me gusta jugar futbol </a:t>
+            </a:r>
+          </a:p>
+          <a:p>
+            <a:pPr marL="457200" indent="-457200">
+              <a:buFont typeface="Arial" panose="020B0604020202020204" pitchFamily="34" charset="0"/>
+              <a:buChar char="•"/>
+            </a:pPr>
+            <a:r>
+              <a:rPr lang="es-MX" sz="2400" dirty="0"/>
+              <a:t>M</a:t>
+            </a:r>
+            <a:r>
+              <a:rPr lang="es-MX" sz="2400" dirty="0" smtClean="0"/>
+              <a:t>e gustan los carros </a:t>
+            </a:r>
+          </a:p>
+          <a:p>
+            <a:pPr marL="457200" indent="-457200">
+              <a:buFont typeface="Arial" panose="020B0604020202020204" pitchFamily="34" charset="0"/>
+              <a:buChar char="•"/>
+            </a:pPr>
+            <a:r>
+              <a:rPr lang="es-MX" sz="2400" dirty="0"/>
+              <a:t>M</a:t>
+            </a:r>
+            <a:r>
+              <a:rPr lang="es-MX" sz="2400" dirty="0" smtClean="0"/>
+              <a:t>e gusta ver la Formula 1 </a:t>
+            </a:r>
+          </a:p>
+          <a:p>
+            <a:pPr marL="457200" indent="-457200">
+              <a:buFont typeface="Arial" panose="020B0604020202020204" pitchFamily="34" charset="0"/>
+              <a:buChar char="•"/>
+            </a:pPr>
+            <a:r>
+              <a:rPr lang="es-MX" sz="2400" dirty="0"/>
+              <a:t>M</a:t>
+            </a:r>
+            <a:r>
+              <a:rPr lang="es-MX" sz="2400" dirty="0" smtClean="0"/>
+              <a:t>e gusta ver </a:t>
+            </a:r>
+            <a:r>
+              <a:rPr lang="es-MX" sz="2400" dirty="0" err="1" smtClean="0"/>
+              <a:t>tik</a:t>
+            </a:r>
+            <a:r>
+              <a:rPr lang="es-MX" sz="2400" dirty="0" smtClean="0"/>
+              <a:t> </a:t>
+            </a:r>
+            <a:r>
+              <a:rPr lang="es-MX" sz="2400" dirty="0" err="1" smtClean="0"/>
+              <a:t>tok</a:t>
+            </a:r>
+            <a:r>
+              <a:rPr lang="es-MX" sz="2400" dirty="0" smtClean="0"/>
+              <a:t> </a:t>
+            </a:r>
+          </a:p>
+          <a:p>
+            <a:pPr marL="457200" indent="-457200">
+              <a:buFont typeface="Arial" panose="020B0604020202020204" pitchFamily="34" charset="0"/>
+              <a:buChar char="•"/>
+            </a:pPr>
+            <a:r>
+              <a:rPr lang="es-MX" sz="2400" dirty="0"/>
+              <a:t>M</a:t>
+            </a:r>
+            <a:r>
+              <a:rPr lang="es-MX" sz="2400" dirty="0" smtClean="0"/>
+              <a:t>is películas favoritas son de acción y ciencia ficción</a:t>
+            </a:r>
+          </a:p>
+          <a:p>
+            <a:pPr marL="457200" indent="-457200">
+              <a:buFont typeface="Arial" panose="020B0604020202020204" pitchFamily="34" charset="0"/>
+              <a:buChar char="•"/>
+            </a:pPr>
+            <a:r>
+              <a:rPr lang="es-MX" sz="2400" dirty="0"/>
+              <a:t>M</a:t>
+            </a:r>
+            <a:r>
+              <a:rPr lang="es-MX" sz="2400" dirty="0" smtClean="0"/>
+              <a:t>i genero musical preferido es el regional mexicano </a:t>
+            </a:r>
+          </a:p>
+          <a:p>
+            <a:pPr marL="457200" indent="-457200">
+              <a:buFont typeface="Arial" panose="020B0604020202020204" pitchFamily="34" charset="0"/>
+              <a:buChar char="•"/>
+            </a:pPr>
+            <a:r>
+              <a:rPr lang="es-MX" sz="2400" dirty="0" smtClean="0"/>
+              <a:t>Mis cantantes favoritos son Junior H, Peso Pluma, Grupo Marca Registrada </a:t>
+            </a:r>
+            <a:endParaRPr lang="es-MX" sz="2400" dirty="0"/>
           </a:p>
         </p:txBody>
       </p:sp>
